--- a/models_presentations/XGBoost.pptx
+++ b/models_presentations/XGBoost.pptx
@@ -104,6 +104,11 @@
       </a:defRPr>
     </a:lvl9pPr>
   </p:defaultTextStyle>
+  <p:extLst>
+    <p:ext uri="{EFAFB233-063F-42B5-8137-9DF3F51BA10A}">
+      <p15:sldGuideLst xmlns:p15="http://schemas.microsoft.com/office/powerpoint/2012/main"/>
+    </p:ext>
+  </p:extLst>
 </p:presentation>
 </file>
 
@@ -256,7 +261,7 @@
           <a:p>
             <a:fld id="{DD306AC9-6039-4864-A87E-D010480A3C71}" type="datetimeFigureOut">
               <a:rPr lang="en-US" smtClean="0"/>
-              <a:t>11/12/2021</a:t>
+              <a:t>11/18/2021</a:t>
             </a:fld>
             <a:endParaRPr lang="en-US"/>
           </a:p>
@@ -456,7 +461,7 @@
           <a:p>
             <a:fld id="{DD306AC9-6039-4864-A87E-D010480A3C71}" type="datetimeFigureOut">
               <a:rPr lang="en-US" smtClean="0"/>
-              <a:t>11/12/2021</a:t>
+              <a:t>11/18/2021</a:t>
             </a:fld>
             <a:endParaRPr lang="en-US"/>
           </a:p>
@@ -666,7 +671,7 @@
           <a:p>
             <a:fld id="{DD306AC9-6039-4864-A87E-D010480A3C71}" type="datetimeFigureOut">
               <a:rPr lang="en-US" smtClean="0"/>
-              <a:t>11/12/2021</a:t>
+              <a:t>11/18/2021</a:t>
             </a:fld>
             <a:endParaRPr lang="en-US"/>
           </a:p>
@@ -866,7 +871,7 @@
           <a:p>
             <a:fld id="{DD306AC9-6039-4864-A87E-D010480A3C71}" type="datetimeFigureOut">
               <a:rPr lang="en-US" smtClean="0"/>
-              <a:t>11/12/2021</a:t>
+              <a:t>11/18/2021</a:t>
             </a:fld>
             <a:endParaRPr lang="en-US"/>
           </a:p>
@@ -1142,7 +1147,7 @@
           <a:p>
             <a:fld id="{DD306AC9-6039-4864-A87E-D010480A3C71}" type="datetimeFigureOut">
               <a:rPr lang="en-US" smtClean="0"/>
-              <a:t>11/12/2021</a:t>
+              <a:t>11/18/2021</a:t>
             </a:fld>
             <a:endParaRPr lang="en-US"/>
           </a:p>
@@ -1410,7 +1415,7 @@
           <a:p>
             <a:fld id="{DD306AC9-6039-4864-A87E-D010480A3C71}" type="datetimeFigureOut">
               <a:rPr lang="en-US" smtClean="0"/>
-              <a:t>11/12/2021</a:t>
+              <a:t>11/18/2021</a:t>
             </a:fld>
             <a:endParaRPr lang="en-US"/>
           </a:p>
@@ -1825,7 +1830,7 @@
           <a:p>
             <a:fld id="{DD306AC9-6039-4864-A87E-D010480A3C71}" type="datetimeFigureOut">
               <a:rPr lang="en-US" smtClean="0"/>
-              <a:t>11/12/2021</a:t>
+              <a:t>11/18/2021</a:t>
             </a:fld>
             <a:endParaRPr lang="en-US"/>
           </a:p>
@@ -1967,7 +1972,7 @@
           <a:p>
             <a:fld id="{DD306AC9-6039-4864-A87E-D010480A3C71}" type="datetimeFigureOut">
               <a:rPr lang="en-US" smtClean="0"/>
-              <a:t>11/12/2021</a:t>
+              <a:t>11/18/2021</a:t>
             </a:fld>
             <a:endParaRPr lang="en-US"/>
           </a:p>
@@ -2080,7 +2085,7 @@
           <a:p>
             <a:fld id="{DD306AC9-6039-4864-A87E-D010480A3C71}" type="datetimeFigureOut">
               <a:rPr lang="en-US" smtClean="0"/>
-              <a:t>11/12/2021</a:t>
+              <a:t>11/18/2021</a:t>
             </a:fld>
             <a:endParaRPr lang="en-US"/>
           </a:p>
@@ -2393,7 +2398,7 @@
           <a:p>
             <a:fld id="{DD306AC9-6039-4864-A87E-D010480A3C71}" type="datetimeFigureOut">
               <a:rPr lang="en-US" smtClean="0"/>
-              <a:t>11/12/2021</a:t>
+              <a:t>11/18/2021</a:t>
             </a:fld>
             <a:endParaRPr lang="en-US"/>
           </a:p>
@@ -2682,7 +2687,7 @@
           <a:p>
             <a:fld id="{DD306AC9-6039-4864-A87E-D010480A3C71}" type="datetimeFigureOut">
               <a:rPr lang="en-US" smtClean="0"/>
-              <a:t>11/12/2021</a:t>
+              <a:t>11/18/2021</a:t>
             </a:fld>
             <a:endParaRPr lang="en-US"/>
           </a:p>
@@ -2925,7 +2930,7 @@
           <a:p>
             <a:fld id="{DD306AC9-6039-4864-A87E-D010480A3C71}" type="datetimeFigureOut">
               <a:rPr lang="en-US" smtClean="0"/>
-              <a:t>11/12/2021</a:t>
+              <a:t>11/18/2021</a:t>
             </a:fld>
             <a:endParaRPr lang="en-US"/>
           </a:p>
@@ -3777,6 +3782,53 @@
           </a:p>
         </p:txBody>
       </p:sp>
+      <p:sp>
+        <p:nvSpPr>
+          <p:cNvPr id="4" name="BlokTextu 3">
+            <a:extLst>
+              <a:ext uri="{FF2B5EF4-FFF2-40B4-BE49-F238E27FC236}">
+                <a16:creationId xmlns:a16="http://schemas.microsoft.com/office/drawing/2014/main" id="{EDFA06F9-4F45-4206-AADE-E6ED65826B5C}"/>
+              </a:ext>
+            </a:extLst>
+          </p:cNvPr>
+          <p:cNvSpPr txBox="1"/>
+          <p:nvPr/>
+        </p:nvSpPr>
+        <p:spPr>
+          <a:xfrm>
+            <a:off x="2032986" y="5992427"/>
+            <a:ext cx="9570130" cy="261610"/>
+          </a:xfrm>
+          <a:prstGeom prst="rect">
+            <a:avLst/>
+          </a:prstGeom>
+          <a:noFill/>
+        </p:spPr>
+        <p:txBody>
+          <a:bodyPr wrap="square" rtlCol="0">
+            <a:spAutoFit/>
+          </a:bodyPr>
+          <a:lstStyle/>
+          <a:p>
+            <a:r>
+              <a:rPr lang="en-US" sz="1100" dirty="0"/>
+              <a:t>Sch</a:t>
+            </a:r>
+            <a:r>
+              <a:rPr lang="sk-SK" sz="1100" dirty="0" err="1"/>
+              <a:t>éma</a:t>
+            </a:r>
+            <a:r>
+              <a:rPr lang="sk-SK" sz="1100" dirty="0"/>
+              <a:t> dostupná 12. 11. 2021 na </a:t>
+            </a:r>
+            <a:r>
+              <a:rPr lang="en-US" sz="1100" dirty="0"/>
+              <a:t>https://www.researchgate.net/figure/A-simple-example-of-visualizing-gradient-boosting_fig5_326379229</a:t>
+            </a:r>
+          </a:p>
+        </p:txBody>
+      </p:sp>
     </p:spTree>
     <p:extLst>
       <p:ext uri="{BB962C8B-B14F-4D97-AF65-F5344CB8AC3E}">
